--- a/Ideas.pptx
+++ b/Ideas.pptx
@@ -1,25 +1,26 @@
 
 <file path=ppt/presentation.xml><?xml version="1.0" encoding="utf-8"?>
-<p:presentation xmlns:a="http://schemas.openxmlformats.org/drawingml/2006/main" xmlns:r="http://schemas.openxmlformats.org/officeDocument/2006/relationships" xmlns:p="http://schemas.openxmlformats.org/presentationml/2006/main" autoCompressPictures="0">
+<p:presentation xmlns:a="http://schemas.openxmlformats.org/drawingml/2006/main" xmlns:r="http://schemas.openxmlformats.org/officeDocument/2006/relationships" xmlns:p="http://schemas.openxmlformats.org/presentationml/2006/main" saveSubsetFonts="1" autoCompressPictures="0">
   <p:sldMasterIdLst>
     <p:sldMasterId id="2147483840" r:id="rId1"/>
   </p:sldMasterIdLst>
   <p:sldIdLst>
     <p:sldId id="271" r:id="rId2"/>
     <p:sldId id="269" r:id="rId3"/>
-    <p:sldId id="256" r:id="rId4"/>
-    <p:sldId id="257" r:id="rId5"/>
-    <p:sldId id="258" r:id="rId6"/>
-    <p:sldId id="259" r:id="rId7"/>
-    <p:sldId id="260" r:id="rId8"/>
-    <p:sldId id="261" r:id="rId9"/>
-    <p:sldId id="262" r:id="rId10"/>
-    <p:sldId id="263" r:id="rId11"/>
-    <p:sldId id="264" r:id="rId12"/>
-    <p:sldId id="265" r:id="rId13"/>
-    <p:sldId id="266" r:id="rId14"/>
-    <p:sldId id="267" r:id="rId15"/>
-    <p:sldId id="268" r:id="rId16"/>
+    <p:sldId id="272" r:id="rId4"/>
+    <p:sldId id="256" r:id="rId5"/>
+    <p:sldId id="257" r:id="rId6"/>
+    <p:sldId id="258" r:id="rId7"/>
+    <p:sldId id="259" r:id="rId8"/>
+    <p:sldId id="260" r:id="rId9"/>
+    <p:sldId id="261" r:id="rId10"/>
+    <p:sldId id="262" r:id="rId11"/>
+    <p:sldId id="263" r:id="rId12"/>
+    <p:sldId id="264" r:id="rId13"/>
+    <p:sldId id="265" r:id="rId14"/>
+    <p:sldId id="266" r:id="rId15"/>
+    <p:sldId id="267" r:id="rId16"/>
+    <p:sldId id="268" r:id="rId17"/>
   </p:sldIdLst>
   <p:sldSz cx="12192000" cy="6858000"/>
   <p:notesSz cx="6858000" cy="9144000"/>
@@ -118,6 +119,11 @@
       </a:defRPr>
     </a:lvl9pPr>
   </p:defaultTextStyle>
+  <p:extLst>
+    <p:ext uri="{EFAFB233-063F-42B5-8137-9DF3F51BA10A}">
+      <p15:sldGuideLst xmlns:p15="http://schemas.microsoft.com/office/powerpoint/2012/main"/>
+    </p:ext>
+  </p:extLst>
 </p:presentation>
 </file>
 
@@ -524,7 +530,7 @@
           <a:p>
             <a:fld id="{83284890-85D2-4D7B-8EF5-15A9C1DB8F42}" type="datetimeFigureOut">
               <a:rPr lang="en-US" dirty="0"/>
-              <a:t>10/19/2017</a:t>
+              <a:t>10/23/17</a:t>
             </a:fld>
             <a:endParaRPr lang="en-US" dirty="0"/>
           </a:p>
@@ -699,7 +705,7 @@
           <a:p>
             <a:fld id="{87157CC2-0FC8-4686-B024-99790E0F5162}" type="datetimeFigureOut">
               <a:rPr lang="en-US" dirty="0"/>
-              <a:t>10/19/2017</a:t>
+              <a:t>10/23/17</a:t>
             </a:fld>
             <a:endParaRPr lang="en-US" dirty="0"/>
           </a:p>
@@ -874,7 +880,7 @@
           <a:p>
             <a:fld id="{F6764DA5-CD3D-4590-A511-FCD3BC7A793E}" type="datetimeFigureOut">
               <a:rPr lang="en-US" dirty="0"/>
-              <a:t>10/19/2017</a:t>
+              <a:t>10/23/17</a:t>
             </a:fld>
             <a:endParaRPr lang="en-US" dirty="0"/>
           </a:p>
@@ -1039,7 +1045,7 @@
           <a:p>
             <a:fld id="{82F5661D-6934-4B32-B92C-470368BF1EC6}" type="datetimeFigureOut">
               <a:rPr lang="en-US" dirty="0"/>
-              <a:t>10/19/2017</a:t>
+              <a:t>10/23/17</a:t>
             </a:fld>
             <a:endParaRPr lang="en-US" dirty="0"/>
           </a:p>
@@ -1347,7 +1353,7 @@
           <a:p>
             <a:fld id="{C6F822A4-8DA6-4447-9B1F-C5DB58435268}" type="datetimeFigureOut">
               <a:rPr lang="en-US" dirty="0"/>
-              <a:t>10/19/2017</a:t>
+              <a:t>10/23/17</a:t>
             </a:fld>
             <a:endParaRPr lang="en-US" dirty="0"/>
           </a:p>
@@ -1729,7 +1735,7 @@
           <a:p>
             <a:fld id="{E548D31E-DCDA-41A7-9C67-C4B11B94D21D}" type="datetimeFigureOut">
               <a:rPr lang="en-US" dirty="0"/>
-              <a:t>10/19/2017</a:t>
+              <a:t>10/23/17</a:t>
             </a:fld>
             <a:endParaRPr lang="en-US" dirty="0"/>
           </a:p>
@@ -2158,7 +2164,7 @@
           <a:p>
             <a:fld id="{9B3762C0-B258-48F1-ADE6-176B4174CCDD}" type="datetimeFigureOut">
               <a:rPr lang="en-US" dirty="0"/>
-              <a:t>10/19/2017</a:t>
+              <a:t>10/23/17</a:t>
             </a:fld>
             <a:endParaRPr lang="en-US" dirty="0"/>
           </a:p>
@@ -2271,7 +2277,7 @@
           <a:p>
             <a:fld id="{677919A6-33EB-49BD-A62F-1FA56B9F9712}" type="datetimeFigureOut">
               <a:rPr lang="en-US" dirty="0"/>
-              <a:t>10/19/2017</a:t>
+              <a:t>10/23/17</a:t>
             </a:fld>
             <a:endParaRPr lang="en-US" dirty="0"/>
           </a:p>
@@ -2361,7 +2367,7 @@
           <a:p>
             <a:fld id="{CA4E7D1B-D673-4CF6-8672-009D42ABD2A0}" type="datetimeFigureOut">
               <a:rPr lang="en-US" dirty="0"/>
-              <a:t>10/19/2017</a:t>
+              <a:t>10/23/17</a:t>
             </a:fld>
             <a:endParaRPr lang="en-US" dirty="0"/>
           </a:p>
@@ -2706,7 +2712,7 @@
           <a:p>
             <a:fld id="{DA16AA21-1863-4931-97CB-99D0A168701B}" type="datetimeFigureOut">
               <a:rPr lang="en-US" dirty="0"/>
-              <a:t>10/19/2017</a:t>
+              <a:t>10/23/17</a:t>
             </a:fld>
             <a:endParaRPr lang="en-US" dirty="0"/>
           </a:p>
@@ -3126,7 +3132,7 @@
           <a:p>
             <a:fld id="{3772C379-9A7C-4C87-A116-CBE9F58B04C5}" type="datetimeFigureOut">
               <a:rPr lang="en-US" dirty="0"/>
-              <a:t>10/19/2017</a:t>
+              <a:t>10/23/17</a:t>
             </a:fld>
             <a:endParaRPr lang="en-US" dirty="0"/>
           </a:p>
@@ -3402,7 +3408,7 @@
           <a:p>
             <a:fld id="{8664C608-40B1-4030-A28D-5B74BC98ADCE}" type="datetimeFigureOut">
               <a:rPr lang="en-US" dirty="0"/>
-              <a:t>10/19/2017</a:t>
+              <a:t>10/23/17</a:t>
             </a:fld>
             <a:endParaRPr lang="en-US" dirty="0"/>
           </a:p>
@@ -3980,7 +3986,7 @@
           <p:cNvPr id="2" name="Title 1">
             <a:extLst>
               <a:ext uri="{FF2B5EF4-FFF2-40B4-BE49-F238E27FC236}">
-                <a16:creationId xmlns:a16="http://schemas.microsoft.com/office/drawing/2014/main" id="{D307DA19-D91C-42D3-B80A-100506D8A111}"/>
+                <a16:creationId xmlns:a16="http://schemas.microsoft.com/office/drawing/2014/main" xmlns="" id="{D307DA19-D91C-42D3-B80A-100506D8A111}"/>
               </a:ext>
             </a:extLst>
           </p:cNvPr>
@@ -4008,7 +4014,7 @@
           <p:cNvPr id="3" name="Subtitle 2">
             <a:extLst>
               <a:ext uri="{FF2B5EF4-FFF2-40B4-BE49-F238E27FC236}">
-                <a16:creationId xmlns:a16="http://schemas.microsoft.com/office/drawing/2014/main" id="{438CE912-55DC-4DB6-B072-0129A01F86F5}"/>
+                <a16:creationId xmlns:a16="http://schemas.microsoft.com/office/drawing/2014/main" xmlns="" id="{438CE912-55DC-4DB6-B072-0129A01F86F5}"/>
               </a:ext>
             </a:extLst>
           </p:cNvPr>
@@ -4066,7 +4072,7 @@
           <p:cNvPr id="2" name="Title 1">
             <a:extLst>
               <a:ext uri="{FF2B5EF4-FFF2-40B4-BE49-F238E27FC236}">
-                <a16:creationId xmlns:a16="http://schemas.microsoft.com/office/drawing/2014/main" id="{03D14523-A20D-4798-AD8B-3DFCC1871801}"/>
+                <a16:creationId xmlns:a16="http://schemas.microsoft.com/office/drawing/2014/main" xmlns="" id="{4E23DA83-1977-47BC-AABE-2A0AB01CA68B}"/>
               </a:ext>
             </a:extLst>
           </p:cNvPr>
@@ -4084,7 +4090,7 @@
           <a:p>
             <a:r>
               <a:rPr lang="en-GB" dirty="0"/>
-              <a:t>Lounge</a:t>
+              <a:t>Hallway (Downstairs)</a:t>
             </a:r>
           </a:p>
         </p:txBody>
@@ -4094,7 +4100,7 @@
           <p:cNvPr id="3" name="Content Placeholder 2">
             <a:extLst>
               <a:ext uri="{FF2B5EF4-FFF2-40B4-BE49-F238E27FC236}">
-                <a16:creationId xmlns:a16="http://schemas.microsoft.com/office/drawing/2014/main" id="{59F0DBA5-05AB-4944-A6F6-3A15799D999D}"/>
+                <a16:creationId xmlns:a16="http://schemas.microsoft.com/office/drawing/2014/main" xmlns="" id="{CCD4990A-35C3-4A36-A303-F6AE48709F0F}"/>
               </a:ext>
             </a:extLst>
           </p:cNvPr>
@@ -4110,14 +4116,17 @@
           <a:bodyPr/>
           <a:lstStyle/>
           <a:p>
-            <a:endParaRPr lang="en-GB"/>
+            <a:r>
+              <a:rPr lang="en-GB" dirty="0"/>
+              <a:t>Front Door</a:t>
+            </a:r>
           </a:p>
         </p:txBody>
       </p:sp>
     </p:spTree>
     <p:extLst>
       <p:ext uri="{BB962C8B-B14F-4D97-AF65-F5344CB8AC3E}">
-        <p14:creationId xmlns:p14="http://schemas.microsoft.com/office/powerpoint/2010/main" val="2228156402"/>
+        <p14:creationId xmlns:p14="http://schemas.microsoft.com/office/powerpoint/2010/main" val="2052309983"/>
       </p:ext>
     </p:extLst>
   </p:cSld>
@@ -4149,7 +4158,7 @@
           <p:cNvPr id="2" name="Title 1">
             <a:extLst>
               <a:ext uri="{FF2B5EF4-FFF2-40B4-BE49-F238E27FC236}">
-                <a16:creationId xmlns:a16="http://schemas.microsoft.com/office/drawing/2014/main" id="{DAB03EA5-9581-403A-9800-AD78D0D18036}"/>
+                <a16:creationId xmlns:a16="http://schemas.microsoft.com/office/drawing/2014/main" xmlns="" id="{03D14523-A20D-4798-AD8B-3DFCC1871801}"/>
               </a:ext>
             </a:extLst>
           </p:cNvPr>
@@ -4167,7 +4176,7 @@
           <a:p>
             <a:r>
               <a:rPr lang="en-GB" dirty="0"/>
-              <a:t>Kitchen</a:t>
+              <a:t>Lounge</a:t>
             </a:r>
           </a:p>
         </p:txBody>
@@ -4177,7 +4186,7 @@
           <p:cNvPr id="3" name="Content Placeholder 2">
             <a:extLst>
               <a:ext uri="{FF2B5EF4-FFF2-40B4-BE49-F238E27FC236}">
-                <a16:creationId xmlns:a16="http://schemas.microsoft.com/office/drawing/2014/main" id="{1BAFD8A2-D507-487A-A3DF-9F5E438D6793}"/>
+                <a16:creationId xmlns:a16="http://schemas.microsoft.com/office/drawing/2014/main" xmlns="" id="{59F0DBA5-05AB-4944-A6F6-3A15799D999D}"/>
               </a:ext>
             </a:extLst>
           </p:cNvPr>
@@ -4193,47 +4202,14 @@
           <a:bodyPr/>
           <a:lstStyle/>
           <a:p>
-            <a:r>
-              <a:rPr lang="en-GB" dirty="0"/>
-              <a:t>Coke</a:t>
-            </a:r>
-          </a:p>
-          <a:p>
-            <a:r>
-              <a:rPr lang="en-GB" dirty="0"/>
-              <a:t>Vodka</a:t>
-            </a:r>
-          </a:p>
-          <a:p>
-            <a:r>
-              <a:rPr lang="en-GB" dirty="0"/>
-              <a:t>Lighter</a:t>
-            </a:r>
-          </a:p>
-          <a:p>
-            <a:r>
-              <a:rPr lang="en-GB" dirty="0"/>
-              <a:t>Knife</a:t>
-            </a:r>
-          </a:p>
-          <a:p>
-            <a:r>
-              <a:rPr lang="en-GB" dirty="0"/>
-              <a:t>Cup of cool water</a:t>
-            </a:r>
-          </a:p>
-          <a:p>
-            <a:r>
-              <a:rPr lang="en-GB" dirty="0"/>
-              <a:t>Plate of food</a:t>
-            </a:r>
+            <a:endParaRPr lang="en-GB"/>
           </a:p>
         </p:txBody>
       </p:sp>
     </p:spTree>
     <p:extLst>
       <p:ext uri="{BB962C8B-B14F-4D97-AF65-F5344CB8AC3E}">
-        <p14:creationId xmlns:p14="http://schemas.microsoft.com/office/powerpoint/2010/main" val="2705255684"/>
+        <p14:creationId xmlns:p14="http://schemas.microsoft.com/office/powerpoint/2010/main" val="2228156402"/>
       </p:ext>
     </p:extLst>
   </p:cSld>
@@ -4265,7 +4241,7 @@
           <p:cNvPr id="2" name="Title 1">
             <a:extLst>
               <a:ext uri="{FF2B5EF4-FFF2-40B4-BE49-F238E27FC236}">
-                <a16:creationId xmlns:a16="http://schemas.microsoft.com/office/drawing/2014/main" id="{3A156639-EFF6-4D6D-9100-198293C9A539}"/>
+                <a16:creationId xmlns:a16="http://schemas.microsoft.com/office/drawing/2014/main" xmlns="" id="{DAB03EA5-9581-403A-9800-AD78D0D18036}"/>
               </a:ext>
             </a:extLst>
           </p:cNvPr>
@@ -4283,7 +4259,7 @@
           <a:p>
             <a:r>
               <a:rPr lang="en-GB" dirty="0"/>
-              <a:t>Basement</a:t>
+              <a:t>Kitchen</a:t>
             </a:r>
           </a:p>
         </p:txBody>
@@ -4293,7 +4269,7 @@
           <p:cNvPr id="3" name="Content Placeholder 2">
             <a:extLst>
               <a:ext uri="{FF2B5EF4-FFF2-40B4-BE49-F238E27FC236}">
-                <a16:creationId xmlns:a16="http://schemas.microsoft.com/office/drawing/2014/main" id="{479B2E9E-F14E-4DCB-B317-C9C2AA3DF105}"/>
+                <a16:creationId xmlns:a16="http://schemas.microsoft.com/office/drawing/2014/main" xmlns="" id="{1BAFD8A2-D507-487A-A3DF-9F5E438D6793}"/>
               </a:ext>
             </a:extLst>
           </p:cNvPr>
@@ -4311,19 +4287,37 @@
           <a:p>
             <a:r>
               <a:rPr lang="en-GB" dirty="0"/>
-              <a:t>(Dark with lots of spider webs so use hair products + lighter to clear spider webs)</a:t>
+              <a:t>Coke</a:t>
             </a:r>
           </a:p>
           <a:p>
             <a:r>
               <a:rPr lang="en-GB" dirty="0"/>
-              <a:t>Rope</a:t>
+              <a:t>Vodka</a:t>
             </a:r>
           </a:p>
           <a:p>
             <a:r>
               <a:rPr lang="en-GB" dirty="0"/>
-              <a:t>Tools</a:t>
+              <a:t>Lighter</a:t>
+            </a:r>
+          </a:p>
+          <a:p>
+            <a:r>
+              <a:rPr lang="en-GB" dirty="0"/>
+              <a:t>Knife</a:t>
+            </a:r>
+          </a:p>
+          <a:p>
+            <a:r>
+              <a:rPr lang="en-GB" dirty="0"/>
+              <a:t>Cup of cool water</a:t>
+            </a:r>
+          </a:p>
+          <a:p>
+            <a:r>
+              <a:rPr lang="en-GB" dirty="0"/>
+              <a:t>Plate of food</a:t>
             </a:r>
           </a:p>
         </p:txBody>
@@ -4331,7 +4325,7 @@
     </p:spTree>
     <p:extLst>
       <p:ext uri="{BB962C8B-B14F-4D97-AF65-F5344CB8AC3E}">
-        <p14:creationId xmlns:p14="http://schemas.microsoft.com/office/powerpoint/2010/main" val="2900099487"/>
+        <p14:creationId xmlns:p14="http://schemas.microsoft.com/office/powerpoint/2010/main" val="2705255684"/>
       </p:ext>
     </p:extLst>
   </p:cSld>
@@ -4363,7 +4357,7 @@
           <p:cNvPr id="2" name="Title 1">
             <a:extLst>
               <a:ext uri="{FF2B5EF4-FFF2-40B4-BE49-F238E27FC236}">
-                <a16:creationId xmlns:a16="http://schemas.microsoft.com/office/drawing/2014/main" id="{70C31FCE-B5E4-40AE-87FB-CD138D4794D3}"/>
+                <a16:creationId xmlns:a16="http://schemas.microsoft.com/office/drawing/2014/main" xmlns="" id="{3A156639-EFF6-4D6D-9100-198293C9A539}"/>
               </a:ext>
             </a:extLst>
           </p:cNvPr>
@@ -4371,29 +4365,27 @@
             <a:spLocks noGrp="1"/>
           </p:cNvSpPr>
           <p:nvPr>
-            <p:ph type="ctrTitle"/>
-          </p:nvPr>
-        </p:nvSpPr>
-        <p:spPr/>
-        <p:txBody>
-          <a:bodyPr/>
-          <a:lstStyle/>
-          <a:p>
-            <a:pPr algn="ctr"/>
-            <a:r>
-              <a:rPr lang="en-GB" sz="16600" dirty="0"/>
-              <a:t>Characters</a:t>
-            </a:r>
-            <a:endParaRPr lang="en-GB" dirty="0"/>
-          </a:p>
-        </p:txBody>
-      </p:sp>
-      <p:sp>
-        <p:nvSpPr>
-          <p:cNvPr id="3" name="Subtitle 2">
+            <p:ph type="title"/>
+          </p:nvPr>
+        </p:nvSpPr>
+        <p:spPr/>
+        <p:txBody>
+          <a:bodyPr/>
+          <a:lstStyle/>
+          <a:p>
+            <a:r>
+              <a:rPr lang="en-GB" dirty="0"/>
+              <a:t>Basement</a:t>
+            </a:r>
+          </a:p>
+        </p:txBody>
+      </p:sp>
+      <p:sp>
+        <p:nvSpPr>
+          <p:cNvPr id="3" name="Content Placeholder 2">
             <a:extLst>
               <a:ext uri="{FF2B5EF4-FFF2-40B4-BE49-F238E27FC236}">
-                <a16:creationId xmlns:a16="http://schemas.microsoft.com/office/drawing/2014/main" id="{C67B46E9-1DA6-4962-8D1E-D4F4B7C2D931}"/>
+                <a16:creationId xmlns:a16="http://schemas.microsoft.com/office/drawing/2014/main" xmlns="" id="{479B2E9E-F14E-4DCB-B317-C9C2AA3DF105}"/>
               </a:ext>
             </a:extLst>
           </p:cNvPr>
@@ -4401,22 +4393,37 @@
             <a:spLocks noGrp="1"/>
           </p:cNvSpPr>
           <p:nvPr>
-            <p:ph type="subTitle" idx="1"/>
-          </p:nvPr>
-        </p:nvSpPr>
-        <p:spPr/>
-        <p:txBody>
-          <a:bodyPr/>
-          <a:lstStyle/>
-          <a:p>
-            <a:endParaRPr lang="en-GB"/>
+            <p:ph idx="1"/>
+          </p:nvPr>
+        </p:nvSpPr>
+        <p:spPr/>
+        <p:txBody>
+          <a:bodyPr/>
+          <a:lstStyle/>
+          <a:p>
+            <a:r>
+              <a:rPr lang="en-GB" dirty="0"/>
+              <a:t>(Dark with lots of spider webs so use hair products + lighter to clear spider webs)</a:t>
+            </a:r>
+          </a:p>
+          <a:p>
+            <a:r>
+              <a:rPr lang="en-GB" dirty="0"/>
+              <a:t>Rope</a:t>
+            </a:r>
+          </a:p>
+          <a:p>
+            <a:r>
+              <a:rPr lang="en-GB" dirty="0"/>
+              <a:t>Tools</a:t>
+            </a:r>
           </a:p>
         </p:txBody>
       </p:sp>
     </p:spTree>
     <p:extLst>
       <p:ext uri="{BB962C8B-B14F-4D97-AF65-F5344CB8AC3E}">
-        <p14:creationId xmlns:p14="http://schemas.microsoft.com/office/powerpoint/2010/main" val="3302220290"/>
+        <p14:creationId xmlns:p14="http://schemas.microsoft.com/office/powerpoint/2010/main" val="2900099487"/>
       </p:ext>
     </p:extLst>
   </p:cSld>
@@ -4448,7 +4455,7 @@
           <p:cNvPr id="2" name="Title 1">
             <a:extLst>
               <a:ext uri="{FF2B5EF4-FFF2-40B4-BE49-F238E27FC236}">
-                <a16:creationId xmlns:a16="http://schemas.microsoft.com/office/drawing/2014/main" id="{CF2039DF-4F7A-472B-B61D-65FBE77179D5}"/>
+                <a16:creationId xmlns:a16="http://schemas.microsoft.com/office/drawing/2014/main" xmlns="" id="{70C31FCE-B5E4-40AE-87FB-CD138D4794D3}"/>
               </a:ext>
             </a:extLst>
           </p:cNvPr>
@@ -4456,27 +4463,29 @@
             <a:spLocks noGrp="1"/>
           </p:cNvSpPr>
           <p:nvPr>
-            <p:ph type="title"/>
-          </p:nvPr>
-        </p:nvSpPr>
-        <p:spPr/>
-        <p:txBody>
-          <a:bodyPr/>
-          <a:lstStyle/>
-          <a:p>
-            <a:r>
-              <a:rPr lang="en-GB" dirty="0"/>
-              <a:t>Billy</a:t>
-            </a:r>
-          </a:p>
-        </p:txBody>
-      </p:sp>
-      <p:sp>
-        <p:nvSpPr>
-          <p:cNvPr id="3" name="Content Placeholder 2">
+            <p:ph type="ctrTitle"/>
+          </p:nvPr>
+        </p:nvSpPr>
+        <p:spPr/>
+        <p:txBody>
+          <a:bodyPr/>
+          <a:lstStyle/>
+          <a:p>
+            <a:pPr algn="ctr"/>
+            <a:r>
+              <a:rPr lang="en-GB" sz="16600" dirty="0"/>
+              <a:t>Characters</a:t>
+            </a:r>
+            <a:endParaRPr lang="en-GB" dirty="0"/>
+          </a:p>
+        </p:txBody>
+      </p:sp>
+      <p:sp>
+        <p:nvSpPr>
+          <p:cNvPr id="3" name="Subtitle 2">
             <a:extLst>
               <a:ext uri="{FF2B5EF4-FFF2-40B4-BE49-F238E27FC236}">
-                <a16:creationId xmlns:a16="http://schemas.microsoft.com/office/drawing/2014/main" id="{82F36B14-5B26-4B8E-8F4F-75A6133A0175}"/>
+                <a16:creationId xmlns:a16="http://schemas.microsoft.com/office/drawing/2014/main" xmlns="" id="{C67B46E9-1DA6-4962-8D1E-D4F4B7C2D931}"/>
               </a:ext>
             </a:extLst>
           </p:cNvPr>
@@ -4484,7 +4493,7 @@
             <a:spLocks noGrp="1"/>
           </p:cNvSpPr>
           <p:nvPr>
-            <p:ph idx="1"/>
+            <p:ph type="subTitle" idx="1"/>
           </p:nvPr>
         </p:nvSpPr>
         <p:spPr/>
@@ -4499,7 +4508,7 @@
     </p:spTree>
     <p:extLst>
       <p:ext uri="{BB962C8B-B14F-4D97-AF65-F5344CB8AC3E}">
-        <p14:creationId xmlns:p14="http://schemas.microsoft.com/office/powerpoint/2010/main" val="95454256"/>
+        <p14:creationId xmlns:p14="http://schemas.microsoft.com/office/powerpoint/2010/main" val="3302220290"/>
       </p:ext>
     </p:extLst>
   </p:cSld>
@@ -4531,7 +4540,7 @@
           <p:cNvPr id="2" name="Title 1">
             <a:extLst>
               <a:ext uri="{FF2B5EF4-FFF2-40B4-BE49-F238E27FC236}">
-                <a16:creationId xmlns:a16="http://schemas.microsoft.com/office/drawing/2014/main" id="{EFC51D60-1DF2-4AA3-BD79-7CF00527B653}"/>
+                <a16:creationId xmlns:a16="http://schemas.microsoft.com/office/drawing/2014/main" xmlns="" id="{CF2039DF-4F7A-472B-B61D-65FBE77179D5}"/>
               </a:ext>
             </a:extLst>
           </p:cNvPr>
@@ -4549,7 +4558,7 @@
           <a:p>
             <a:r>
               <a:rPr lang="en-GB" dirty="0"/>
-              <a:t>Sharon (Sister)</a:t>
+              <a:t>Billy</a:t>
             </a:r>
           </a:p>
         </p:txBody>
@@ -4559,7 +4568,90 @@
           <p:cNvPr id="3" name="Content Placeholder 2">
             <a:extLst>
               <a:ext uri="{FF2B5EF4-FFF2-40B4-BE49-F238E27FC236}">
-                <a16:creationId xmlns:a16="http://schemas.microsoft.com/office/drawing/2014/main" id="{6FA2F135-AE9B-46C0-AC2A-D6BE5133F038}"/>
+                <a16:creationId xmlns:a16="http://schemas.microsoft.com/office/drawing/2014/main" xmlns="" id="{82F36B14-5B26-4B8E-8F4F-75A6133A0175}"/>
+              </a:ext>
+            </a:extLst>
+          </p:cNvPr>
+          <p:cNvSpPr>
+            <a:spLocks noGrp="1"/>
+          </p:cNvSpPr>
+          <p:nvPr>
+            <p:ph idx="1"/>
+          </p:nvPr>
+        </p:nvSpPr>
+        <p:spPr/>
+        <p:txBody>
+          <a:bodyPr/>
+          <a:lstStyle/>
+          <a:p>
+            <a:endParaRPr lang="en-GB"/>
+          </a:p>
+        </p:txBody>
+      </p:sp>
+    </p:spTree>
+    <p:extLst>
+      <p:ext uri="{BB962C8B-B14F-4D97-AF65-F5344CB8AC3E}">
+        <p14:creationId xmlns:p14="http://schemas.microsoft.com/office/powerpoint/2010/main" val="95454256"/>
+      </p:ext>
+    </p:extLst>
+  </p:cSld>
+  <p:clrMapOvr>
+    <a:masterClrMapping/>
+  </p:clrMapOvr>
+</p:sld>
+</file>
+
+<file path=ppt/slides/slide16.xml><?xml version="1.0" encoding="utf-8"?>
+<p:sld xmlns:a="http://schemas.openxmlformats.org/drawingml/2006/main" xmlns:r="http://schemas.openxmlformats.org/officeDocument/2006/relationships" xmlns:p="http://schemas.openxmlformats.org/presentationml/2006/main">
+  <p:cSld>
+    <p:spTree>
+      <p:nvGrpSpPr>
+        <p:cNvPr id="1" name=""/>
+        <p:cNvGrpSpPr/>
+        <p:nvPr/>
+      </p:nvGrpSpPr>
+      <p:grpSpPr>
+        <a:xfrm>
+          <a:off x="0" y="0"/>
+          <a:ext cx="0" cy="0"/>
+          <a:chOff x="0" y="0"/>
+          <a:chExt cx="0" cy="0"/>
+        </a:xfrm>
+      </p:grpSpPr>
+      <p:sp>
+        <p:nvSpPr>
+          <p:cNvPr id="2" name="Title 1">
+            <a:extLst>
+              <a:ext uri="{FF2B5EF4-FFF2-40B4-BE49-F238E27FC236}">
+                <a16:creationId xmlns:a16="http://schemas.microsoft.com/office/drawing/2014/main" xmlns="" id="{EFC51D60-1DF2-4AA3-BD79-7CF00527B653}"/>
+              </a:ext>
+            </a:extLst>
+          </p:cNvPr>
+          <p:cNvSpPr>
+            <a:spLocks noGrp="1"/>
+          </p:cNvSpPr>
+          <p:nvPr>
+            <p:ph type="title"/>
+          </p:nvPr>
+        </p:nvSpPr>
+        <p:spPr/>
+        <p:txBody>
+          <a:bodyPr/>
+          <a:lstStyle/>
+          <a:p>
+            <a:r>
+              <a:rPr lang="en-GB" dirty="0"/>
+              <a:t>Sharon (Sister)</a:t>
+            </a:r>
+          </a:p>
+        </p:txBody>
+      </p:sp>
+      <p:sp>
+        <p:nvSpPr>
+          <p:cNvPr id="3" name="Content Placeholder 2">
+            <a:extLst>
+              <a:ext uri="{FF2B5EF4-FFF2-40B4-BE49-F238E27FC236}">
+                <a16:creationId xmlns:a16="http://schemas.microsoft.com/office/drawing/2014/main" xmlns="" id="{6FA2F135-AE9B-46C0-AC2A-D6BE5133F038}"/>
               </a:ext>
             </a:extLst>
           </p:cNvPr>
@@ -4624,7 +4716,7 @@
           <p:cNvPr id="2" name="Title 1">
             <a:extLst>
               <a:ext uri="{FF2B5EF4-FFF2-40B4-BE49-F238E27FC236}">
-                <a16:creationId xmlns:a16="http://schemas.microsoft.com/office/drawing/2014/main" id="{36BF2693-F890-4889-8455-F2EA52E0EEE6}"/>
+                <a16:creationId xmlns:a16="http://schemas.microsoft.com/office/drawing/2014/main" xmlns="" id="{36BF2693-F890-4889-8455-F2EA52E0EEE6}"/>
               </a:ext>
             </a:extLst>
           </p:cNvPr>
@@ -4652,7 +4744,7 @@
           <p:cNvPr id="3" name="Content Placeholder 2">
             <a:extLst>
               <a:ext uri="{FF2B5EF4-FFF2-40B4-BE49-F238E27FC236}">
-                <a16:creationId xmlns:a16="http://schemas.microsoft.com/office/drawing/2014/main" id="{0A6C8E72-830D-4872-AB8A-3D0805E823F7}"/>
+                <a16:creationId xmlns:a16="http://schemas.microsoft.com/office/drawing/2014/main" xmlns="" id="{0A6C8E72-830D-4872-AB8A-3D0805E823F7}"/>
               </a:ext>
             </a:extLst>
           </p:cNvPr>
@@ -4707,63 +4799,295 @@
       </p:grpSpPr>
       <p:sp>
         <p:nvSpPr>
-          <p:cNvPr id="2" name="Title 1">
-            <a:extLst>
-              <a:ext uri="{FF2B5EF4-FFF2-40B4-BE49-F238E27FC236}">
-                <a16:creationId xmlns:a16="http://schemas.microsoft.com/office/drawing/2014/main" id="{70C31FCE-B5E4-40AE-87FB-CD138D4794D3}"/>
-              </a:ext>
-            </a:extLst>
-          </p:cNvPr>
-          <p:cNvSpPr>
-            <a:spLocks noGrp="1"/>
-          </p:cNvSpPr>
-          <p:nvPr>
-            <p:ph type="ctrTitle"/>
-          </p:nvPr>
-        </p:nvSpPr>
-        <p:spPr/>
-        <p:txBody>
-          <a:bodyPr/>
-          <a:lstStyle/>
-          <a:p>
-            <a:pPr algn="ctr"/>
-            <a:r>
-              <a:rPr lang="en-GB" sz="19900" dirty="0"/>
-              <a:t>ROOMS</a:t>
-            </a:r>
+          <p:cNvPr id="3" name="Content Placeholder 2"/>
+          <p:cNvSpPr>
+            <a:spLocks noGrp="1"/>
+          </p:cNvSpPr>
+          <p:nvPr>
+            <p:ph idx="1"/>
+          </p:nvPr>
+        </p:nvSpPr>
+        <p:spPr>
+          <a:xfrm>
+            <a:off x="371061" y="477078"/>
+            <a:ext cx="10866781" cy="5695122"/>
+          </a:xfrm>
+        </p:spPr>
+        <p:txBody>
+          <a:bodyPr>
+            <a:normAutofit fontScale="85000" lnSpcReduction="20000"/>
+          </a:bodyPr>
+          <a:lstStyle/>
+          <a:p>
+            <a:r>
+              <a:rPr lang="en-GB" dirty="0" smtClean="0"/>
+              <a:t>Gathering important objects and use of room</a:t>
+            </a:r>
+          </a:p>
+          <a:p>
+            <a:pPr lvl="1"/>
+            <a:r>
+              <a:rPr lang="en-GB" dirty="0" smtClean="0"/>
+              <a:t>Basement </a:t>
+            </a:r>
+            <a:r>
+              <a:rPr lang="mr-IN" dirty="0" smtClean="0"/>
+              <a:t>–</a:t>
+            </a:r>
+            <a:r>
+              <a:rPr lang="en-GB" dirty="0" smtClean="0"/>
+              <a:t> Use timer to burn cobwebs using random system (dictionary of North, south, east, west etc. - you are timed to decide each direction) </a:t>
+            </a:r>
+            <a:r>
+              <a:rPr lang="en-GB" dirty="0" smtClean="0">
+                <a:solidFill>
+                  <a:srgbClr val="FF0000"/>
+                </a:solidFill>
+              </a:rPr>
+              <a:t>Getting rope</a:t>
+            </a:r>
+          </a:p>
+          <a:p>
+            <a:pPr lvl="1"/>
+            <a:r>
+              <a:rPr lang="en-GB" dirty="0" smtClean="0"/>
+              <a:t>Closet </a:t>
+            </a:r>
+            <a:r>
+              <a:rPr lang="mr-IN" dirty="0" smtClean="0"/>
+              <a:t>–</a:t>
+            </a:r>
+            <a:r>
+              <a:rPr lang="en-GB" dirty="0" smtClean="0"/>
+              <a:t> Getting </a:t>
+            </a:r>
+            <a:r>
+              <a:rPr lang="en-GB" dirty="0" smtClean="0">
+                <a:solidFill>
+                  <a:srgbClr val="FF0000"/>
+                </a:solidFill>
+              </a:rPr>
+              <a:t>backpack</a:t>
+            </a:r>
+            <a:r>
+              <a:rPr lang="en-GB" dirty="0" smtClean="0"/>
+              <a:t> to store coke and vodka</a:t>
+            </a:r>
+          </a:p>
+          <a:p>
+            <a:pPr lvl="1"/>
+            <a:r>
+              <a:rPr lang="en-GB" dirty="0" smtClean="0"/>
+              <a:t>Kitchen </a:t>
+            </a:r>
+            <a:r>
+              <a:rPr lang="mr-IN" dirty="0" smtClean="0"/>
+              <a:t>–</a:t>
+            </a:r>
+            <a:r>
+              <a:rPr lang="en-GB" dirty="0" smtClean="0"/>
+              <a:t> Vodka, coke and lighter</a:t>
+            </a:r>
+          </a:p>
+          <a:p>
+            <a:pPr lvl="1"/>
+            <a:r>
+              <a:rPr lang="en-GB" dirty="0" smtClean="0"/>
+              <a:t>(optional</a:t>
+            </a:r>
+            <a:r>
+              <a:rPr lang="en-GB" dirty="0"/>
+              <a:t>) </a:t>
+            </a:r>
+            <a:r>
+              <a:rPr lang="en-GB" dirty="0">
+                <a:solidFill>
+                  <a:srgbClr val="FF0000"/>
+                </a:solidFill>
+              </a:rPr>
+              <a:t>The Lounge </a:t>
+            </a:r>
+            <a:r>
+              <a:rPr lang="en-GB" dirty="0" smtClean="0"/>
+              <a:t>- Listen </a:t>
+            </a:r>
+            <a:r>
+              <a:rPr lang="en-GB" dirty="0"/>
+              <a:t>to parents about how to bribe sister </a:t>
+            </a:r>
+            <a:r>
+              <a:rPr lang="mr-IN" dirty="0"/>
+              <a:t>–</a:t>
+            </a:r>
+            <a:r>
+              <a:rPr lang="en-GB" dirty="0"/>
+              <a:t> </a:t>
+            </a:r>
+            <a:r>
+              <a:rPr lang="en-GB" dirty="0">
+                <a:solidFill>
+                  <a:srgbClr val="7030A0"/>
+                </a:solidFill>
+              </a:rPr>
+              <a:t>dress/mirror</a:t>
+            </a:r>
+          </a:p>
+          <a:p>
+            <a:pPr lvl="2"/>
+            <a:r>
+              <a:rPr lang="en-GB" u="sng" dirty="0"/>
+              <a:t>Only if you want to leave through front door</a:t>
+            </a:r>
+          </a:p>
+          <a:p>
+            <a:pPr lvl="1"/>
+            <a:endParaRPr lang="en-GB" dirty="0" smtClean="0"/>
+          </a:p>
+          <a:p>
+            <a:r>
+              <a:rPr lang="en-GB" dirty="0" smtClean="0"/>
+              <a:t>(Billy can only leave when he has the exit item requirements </a:t>
+            </a:r>
+            <a:r>
+              <a:rPr lang="mr-IN" dirty="0" smtClean="0"/>
+              <a:t>–</a:t>
+            </a:r>
+            <a:r>
+              <a:rPr lang="en-GB" dirty="0" smtClean="0"/>
+              <a:t> </a:t>
+            </a:r>
+            <a:r>
+              <a:rPr lang="en-GB" i="1" dirty="0" smtClean="0"/>
+              <a:t>listed in possible exits</a:t>
+            </a:r>
+            <a:r>
+              <a:rPr lang="en-GB" dirty="0" smtClean="0"/>
+              <a:t>)</a:t>
+            </a:r>
+          </a:p>
+          <a:p>
+            <a:r>
+              <a:rPr lang="en-GB" dirty="0"/>
+              <a:t>1. Get coke and vodka in the </a:t>
+            </a:r>
+            <a:r>
+              <a:rPr lang="en-GB" dirty="0" smtClean="0"/>
+              <a:t>bag</a:t>
+            </a:r>
+          </a:p>
+          <a:p>
+            <a:endParaRPr lang="en-GB" dirty="0" smtClean="0"/>
+          </a:p>
+          <a:p>
+            <a:r>
+              <a:rPr lang="en-GB" dirty="0" smtClean="0"/>
+              <a:t>2. Possible exits = window, locked front door</a:t>
+            </a:r>
+          </a:p>
+          <a:p>
+            <a:pPr lvl="1"/>
+            <a:r>
+              <a:rPr lang="en-GB" dirty="0" smtClean="0"/>
+              <a:t>Window </a:t>
+            </a:r>
+            <a:r>
+              <a:rPr lang="mr-IN" dirty="0" smtClean="0"/>
+              <a:t>–</a:t>
+            </a:r>
+            <a:r>
+              <a:rPr lang="en-GB" dirty="0" smtClean="0"/>
+              <a:t> before parents go to bed/after.</a:t>
+            </a:r>
+          </a:p>
+          <a:p>
+            <a:pPr lvl="2"/>
+            <a:r>
+              <a:rPr lang="en-GB" dirty="0" smtClean="0"/>
+              <a:t>To escape from </a:t>
+            </a:r>
+            <a:r>
+              <a:rPr lang="en-GB" dirty="0" smtClean="0">
+                <a:solidFill>
+                  <a:srgbClr val="FF0000"/>
+                </a:solidFill>
+              </a:rPr>
+              <a:t>bedroom</a:t>
+            </a:r>
+          </a:p>
+          <a:p>
+            <a:pPr lvl="2"/>
+            <a:r>
+              <a:rPr lang="en-GB" b="1" u="sng" dirty="0" smtClean="0"/>
+              <a:t>Need rope</a:t>
+            </a:r>
+          </a:p>
+          <a:p>
+            <a:pPr lvl="1"/>
+            <a:r>
+              <a:rPr lang="en-GB" dirty="0" smtClean="0"/>
+              <a:t>Locked front door </a:t>
+            </a:r>
+            <a:r>
+              <a:rPr lang="mr-IN" dirty="0" smtClean="0"/>
+              <a:t>–</a:t>
+            </a:r>
+            <a:r>
+              <a:rPr lang="en-GB" dirty="0" smtClean="0"/>
+              <a:t> after parents go to bed</a:t>
+            </a:r>
+          </a:p>
+          <a:p>
+            <a:pPr lvl="2"/>
+            <a:r>
+              <a:rPr lang="en-GB" dirty="0" smtClean="0"/>
+              <a:t>To escape via </a:t>
+            </a:r>
+            <a:r>
+              <a:rPr lang="en-GB" dirty="0" smtClean="0">
+                <a:solidFill>
+                  <a:srgbClr val="FF0000"/>
+                </a:solidFill>
+              </a:rPr>
+              <a:t>front door</a:t>
+            </a:r>
+          </a:p>
+          <a:p>
+            <a:pPr lvl="2"/>
+            <a:r>
+              <a:rPr lang="en-GB" b="1" u="sng" dirty="0" smtClean="0"/>
+              <a:t>Need keys</a:t>
+            </a:r>
+          </a:p>
+          <a:p>
             <a:endParaRPr lang="en-GB" dirty="0"/>
           </a:p>
-        </p:txBody>
-      </p:sp>
-      <p:sp>
-        <p:nvSpPr>
-          <p:cNvPr id="3" name="Subtitle 2">
-            <a:extLst>
-              <a:ext uri="{FF2B5EF4-FFF2-40B4-BE49-F238E27FC236}">
-                <a16:creationId xmlns:a16="http://schemas.microsoft.com/office/drawing/2014/main" id="{C67B46E9-1DA6-4962-8D1E-D4F4B7C2D931}"/>
-              </a:ext>
-            </a:extLst>
-          </p:cNvPr>
-          <p:cNvSpPr>
-            <a:spLocks noGrp="1"/>
-          </p:cNvSpPr>
-          <p:nvPr>
-            <p:ph type="subTitle" idx="1"/>
-          </p:nvPr>
-        </p:nvSpPr>
-        <p:spPr/>
-        <p:txBody>
-          <a:bodyPr/>
-          <a:lstStyle/>
-          <a:p>
-            <a:endParaRPr lang="en-GB"/>
+          <a:p>
+            <a:r>
+              <a:rPr lang="en-GB" dirty="0" smtClean="0"/>
+              <a:t>Where use timer</a:t>
+            </a:r>
+          </a:p>
+          <a:p>
+            <a:pPr lvl="1"/>
+            <a:r>
+              <a:rPr lang="en-GB" dirty="0" smtClean="0"/>
+              <a:t>Parents</a:t>
+            </a:r>
+          </a:p>
+          <a:p>
+            <a:pPr lvl="1"/>
+            <a:r>
+              <a:rPr lang="en-GB" dirty="0" smtClean="0"/>
+              <a:t>Secret exit</a:t>
+            </a:r>
+            <a:endParaRPr lang="en-GB" dirty="0"/>
           </a:p>
         </p:txBody>
       </p:sp>
     </p:spTree>
     <p:extLst>
       <p:ext uri="{BB962C8B-B14F-4D97-AF65-F5344CB8AC3E}">
-        <p14:creationId xmlns:p14="http://schemas.microsoft.com/office/powerpoint/2010/main" val="1920584980"/>
+        <p14:creationId xmlns:p14="http://schemas.microsoft.com/office/powerpoint/2010/main" val="124497590"/>
       </p:ext>
     </p:extLst>
   </p:cSld>
@@ -4795,7 +5119,7 @@
           <p:cNvPr id="2" name="Title 1">
             <a:extLst>
               <a:ext uri="{FF2B5EF4-FFF2-40B4-BE49-F238E27FC236}">
-                <a16:creationId xmlns:a16="http://schemas.microsoft.com/office/drawing/2014/main" id="{339775A6-1B89-437B-B8EE-1C461A058963}"/>
+                <a16:creationId xmlns:a16="http://schemas.microsoft.com/office/drawing/2014/main" xmlns="" id="{70C31FCE-B5E4-40AE-87FB-CD138D4794D3}"/>
               </a:ext>
             </a:extLst>
           </p:cNvPr>
@@ -4803,27 +5127,29 @@
             <a:spLocks noGrp="1"/>
           </p:cNvSpPr>
           <p:nvPr>
-            <p:ph type="title"/>
-          </p:nvPr>
-        </p:nvSpPr>
-        <p:spPr/>
-        <p:txBody>
-          <a:bodyPr/>
-          <a:lstStyle/>
-          <a:p>
-            <a:r>
-              <a:rPr lang="en-GB" dirty="0"/>
-              <a:t>Bedroom</a:t>
-            </a:r>
-          </a:p>
-        </p:txBody>
-      </p:sp>
-      <p:sp>
-        <p:nvSpPr>
-          <p:cNvPr id="3" name="Content Placeholder 2">
+            <p:ph type="ctrTitle"/>
+          </p:nvPr>
+        </p:nvSpPr>
+        <p:spPr/>
+        <p:txBody>
+          <a:bodyPr/>
+          <a:lstStyle/>
+          <a:p>
+            <a:pPr algn="ctr"/>
+            <a:r>
+              <a:rPr lang="en-GB" sz="19900" dirty="0"/>
+              <a:t>ROOMS</a:t>
+            </a:r>
+            <a:endParaRPr lang="en-GB" dirty="0"/>
+          </a:p>
+        </p:txBody>
+      </p:sp>
+      <p:sp>
+        <p:nvSpPr>
+          <p:cNvPr id="3" name="Subtitle 2">
             <a:extLst>
               <a:ext uri="{FF2B5EF4-FFF2-40B4-BE49-F238E27FC236}">
-                <a16:creationId xmlns:a16="http://schemas.microsoft.com/office/drawing/2014/main" id="{3DBB1AF5-2BEA-439B-ADF8-A0EA6264E41C}"/>
+                <a16:creationId xmlns:a16="http://schemas.microsoft.com/office/drawing/2014/main" xmlns="" id="{C67B46E9-1DA6-4962-8D1E-D4F4B7C2D931}"/>
               </a:ext>
             </a:extLst>
           </p:cNvPr>
@@ -4831,37 +5157,22 @@
             <a:spLocks noGrp="1"/>
           </p:cNvSpPr>
           <p:nvPr>
-            <p:ph idx="1"/>
-          </p:nvPr>
-        </p:nvSpPr>
-        <p:spPr/>
-        <p:txBody>
-          <a:bodyPr/>
-          <a:lstStyle/>
-          <a:p>
-            <a:r>
-              <a:rPr lang="en-GB" dirty="0"/>
-              <a:t>Open Laptop</a:t>
-            </a:r>
-          </a:p>
-          <a:p>
-            <a:r>
-              <a:rPr lang="en-GB" dirty="0"/>
-              <a:t>Bed</a:t>
-            </a:r>
-          </a:p>
-          <a:p>
-            <a:r>
-              <a:rPr lang="en-GB" dirty="0"/>
-              <a:t>Window (Use rope)</a:t>
-            </a:r>
+            <p:ph type="subTitle" idx="1"/>
+          </p:nvPr>
+        </p:nvSpPr>
+        <p:spPr/>
+        <p:txBody>
+          <a:bodyPr/>
+          <a:lstStyle/>
+          <a:p>
+            <a:endParaRPr lang="en-GB"/>
           </a:p>
         </p:txBody>
       </p:sp>
     </p:spTree>
     <p:extLst>
       <p:ext uri="{BB962C8B-B14F-4D97-AF65-F5344CB8AC3E}">
-        <p14:creationId xmlns:p14="http://schemas.microsoft.com/office/powerpoint/2010/main" val="3299505236"/>
+        <p14:creationId xmlns:p14="http://schemas.microsoft.com/office/powerpoint/2010/main" val="1920584980"/>
       </p:ext>
     </p:extLst>
   </p:cSld>
@@ -4893,7 +5204,7 @@
           <p:cNvPr id="2" name="Title 1">
             <a:extLst>
               <a:ext uri="{FF2B5EF4-FFF2-40B4-BE49-F238E27FC236}">
-                <a16:creationId xmlns:a16="http://schemas.microsoft.com/office/drawing/2014/main" id="{F90C839F-E015-43A3-AF20-4DEA28305767}"/>
+                <a16:creationId xmlns:a16="http://schemas.microsoft.com/office/drawing/2014/main" xmlns="" id="{339775A6-1B89-437B-B8EE-1C461A058963}"/>
               </a:ext>
             </a:extLst>
           </p:cNvPr>
@@ -4911,7 +5222,7 @@
           <a:p>
             <a:r>
               <a:rPr lang="en-GB" dirty="0"/>
-              <a:t>Closet</a:t>
+              <a:t>Bedroom</a:t>
             </a:r>
           </a:p>
         </p:txBody>
@@ -4921,7 +5232,7 @@
           <p:cNvPr id="3" name="Content Placeholder 2">
             <a:extLst>
               <a:ext uri="{FF2B5EF4-FFF2-40B4-BE49-F238E27FC236}">
-                <a16:creationId xmlns:a16="http://schemas.microsoft.com/office/drawing/2014/main" id="{59FFF090-C3FF-4E6B-8CE1-B2AFAAB847D1}"/>
+                <a16:creationId xmlns:a16="http://schemas.microsoft.com/office/drawing/2014/main" xmlns="" id="{3DBB1AF5-2BEA-439B-ADF8-A0EA6264E41C}"/>
               </a:ext>
             </a:extLst>
           </p:cNvPr>
@@ -4939,35 +5250,19 @@
           <a:p>
             <a:r>
               <a:rPr lang="en-GB" dirty="0"/>
-              <a:t>Backpack</a:t>
-            </a:r>
-            <a:br>
+              <a:t>Open Laptop</a:t>
+            </a:r>
+          </a:p>
+          <a:p>
+            <a:r>
               <a:rPr lang="en-GB" dirty="0"/>
-            </a:br>
+              <a:t>Bed</a:t>
+            </a:r>
+          </a:p>
+          <a:p>
             <a:r>
               <a:rPr lang="en-GB" dirty="0"/>
-              <a:t>Flashlight</a:t>
-            </a:r>
-          </a:p>
-          <a:p>
-            <a:endParaRPr lang="en-GB" dirty="0"/>
-          </a:p>
-          <a:p>
-            <a:r>
-              <a:rPr lang="en-GB" u="sng" dirty="0"/>
-              <a:t>Useless</a:t>
-            </a:r>
-          </a:p>
-          <a:p>
-            <a:r>
-              <a:rPr lang="en-GB" dirty="0"/>
-              <a:t>Old keys</a:t>
-            </a:r>
-          </a:p>
-          <a:p>
-            <a:r>
-              <a:rPr lang="en-GB" dirty="0"/>
-              <a:t>Coat</a:t>
+              <a:t>Window (Use rope)</a:t>
             </a:r>
           </a:p>
         </p:txBody>
@@ -4975,7 +5270,7 @@
     </p:spTree>
     <p:extLst>
       <p:ext uri="{BB962C8B-B14F-4D97-AF65-F5344CB8AC3E}">
-        <p14:creationId xmlns:p14="http://schemas.microsoft.com/office/powerpoint/2010/main" val="1106209161"/>
+        <p14:creationId xmlns:p14="http://schemas.microsoft.com/office/powerpoint/2010/main" val="3299505236"/>
       </p:ext>
     </p:extLst>
   </p:cSld>
@@ -5007,7 +5302,7 @@
           <p:cNvPr id="2" name="Title 1">
             <a:extLst>
               <a:ext uri="{FF2B5EF4-FFF2-40B4-BE49-F238E27FC236}">
-                <a16:creationId xmlns:a16="http://schemas.microsoft.com/office/drawing/2014/main" id="{559B16D0-16C9-44D9-A0BC-4A56A2D6753B}"/>
+                <a16:creationId xmlns:a16="http://schemas.microsoft.com/office/drawing/2014/main" xmlns="" id="{F90C839F-E015-43A3-AF20-4DEA28305767}"/>
               </a:ext>
             </a:extLst>
           </p:cNvPr>
@@ -5025,7 +5320,7 @@
           <a:p>
             <a:r>
               <a:rPr lang="en-GB" dirty="0"/>
-              <a:t>Bathroom</a:t>
+              <a:t>Closet</a:t>
             </a:r>
           </a:p>
         </p:txBody>
@@ -5035,7 +5330,7 @@
           <p:cNvPr id="3" name="Content Placeholder 2">
             <a:extLst>
               <a:ext uri="{FF2B5EF4-FFF2-40B4-BE49-F238E27FC236}">
-                <a16:creationId xmlns:a16="http://schemas.microsoft.com/office/drawing/2014/main" id="{9C60D091-D229-41C7-95CA-6443A1EB56EF}"/>
+                <a16:creationId xmlns:a16="http://schemas.microsoft.com/office/drawing/2014/main" xmlns="" id="{59FFF090-C3FF-4E6B-8CE1-B2AFAAB847D1}"/>
               </a:ext>
             </a:extLst>
           </p:cNvPr>
@@ -5053,7 +5348,35 @@
           <a:p>
             <a:r>
               <a:rPr lang="en-GB" dirty="0"/>
-              <a:t>Hair Products</a:t>
+              <a:t>Backpack</a:t>
+            </a:r>
+            <a:br>
+              <a:rPr lang="en-GB" dirty="0"/>
+            </a:br>
+            <a:r>
+              <a:rPr lang="en-GB" dirty="0"/>
+              <a:t>Flashlight</a:t>
+            </a:r>
+          </a:p>
+          <a:p>
+            <a:endParaRPr lang="en-GB" dirty="0"/>
+          </a:p>
+          <a:p>
+            <a:r>
+              <a:rPr lang="en-GB" u="sng" dirty="0"/>
+              <a:t>Useless</a:t>
+            </a:r>
+          </a:p>
+          <a:p>
+            <a:r>
+              <a:rPr lang="en-GB" dirty="0"/>
+              <a:t>Old keys</a:t>
+            </a:r>
+          </a:p>
+          <a:p>
+            <a:r>
+              <a:rPr lang="en-GB" dirty="0"/>
+              <a:t>Coat</a:t>
             </a:r>
           </a:p>
         </p:txBody>
@@ -5061,7 +5384,7 @@
     </p:spTree>
     <p:extLst>
       <p:ext uri="{BB962C8B-B14F-4D97-AF65-F5344CB8AC3E}">
-        <p14:creationId xmlns:p14="http://schemas.microsoft.com/office/powerpoint/2010/main" val="4094986929"/>
+        <p14:creationId xmlns:p14="http://schemas.microsoft.com/office/powerpoint/2010/main" val="1106209161"/>
       </p:ext>
     </p:extLst>
   </p:cSld>
@@ -5093,7 +5416,7 @@
           <p:cNvPr id="2" name="Title 1">
             <a:extLst>
               <a:ext uri="{FF2B5EF4-FFF2-40B4-BE49-F238E27FC236}">
-                <a16:creationId xmlns:a16="http://schemas.microsoft.com/office/drawing/2014/main" id="{5EEA6508-5605-4AEC-BB55-44F6B39D51FF}"/>
+                <a16:creationId xmlns:a16="http://schemas.microsoft.com/office/drawing/2014/main" xmlns="" id="{559B16D0-16C9-44D9-A0BC-4A56A2D6753B}"/>
               </a:ext>
             </a:extLst>
           </p:cNvPr>
@@ -5111,7 +5434,7 @@
           <a:p>
             <a:r>
               <a:rPr lang="en-GB" dirty="0"/>
-              <a:t>Hallway (Upstairs)</a:t>
+              <a:t>Bathroom</a:t>
             </a:r>
           </a:p>
         </p:txBody>
@@ -5121,7 +5444,7 @@
           <p:cNvPr id="3" name="Content Placeholder 2">
             <a:extLst>
               <a:ext uri="{FF2B5EF4-FFF2-40B4-BE49-F238E27FC236}">
-                <a16:creationId xmlns:a16="http://schemas.microsoft.com/office/drawing/2014/main" id="{09021123-4634-4507-AEA8-DB3371BED0AF}"/>
+                <a16:creationId xmlns:a16="http://schemas.microsoft.com/office/drawing/2014/main" xmlns="" id="{9C60D091-D229-41C7-95CA-6443A1EB56EF}"/>
               </a:ext>
             </a:extLst>
           </p:cNvPr>
@@ -5137,14 +5460,17 @@
           <a:bodyPr/>
           <a:lstStyle/>
           <a:p>
-            <a:endParaRPr lang="en-GB"/>
+            <a:r>
+              <a:rPr lang="en-GB" dirty="0"/>
+              <a:t>Hair Products</a:t>
+            </a:r>
           </a:p>
         </p:txBody>
       </p:sp>
     </p:spTree>
     <p:extLst>
       <p:ext uri="{BB962C8B-B14F-4D97-AF65-F5344CB8AC3E}">
-        <p14:creationId xmlns:p14="http://schemas.microsoft.com/office/powerpoint/2010/main" val="2013750815"/>
+        <p14:creationId xmlns:p14="http://schemas.microsoft.com/office/powerpoint/2010/main" val="4094986929"/>
       </p:ext>
     </p:extLst>
   </p:cSld>
@@ -5176,7 +5502,7 @@
           <p:cNvPr id="2" name="Title 1">
             <a:extLst>
               <a:ext uri="{FF2B5EF4-FFF2-40B4-BE49-F238E27FC236}">
-                <a16:creationId xmlns:a16="http://schemas.microsoft.com/office/drawing/2014/main" id="{C208F764-4976-4025-82FE-E7C08DFB66B5}"/>
+                <a16:creationId xmlns:a16="http://schemas.microsoft.com/office/drawing/2014/main" xmlns="" id="{5EEA6508-5605-4AEC-BB55-44F6B39D51FF}"/>
               </a:ext>
             </a:extLst>
           </p:cNvPr>
@@ -5194,7 +5520,7 @@
           <a:p>
             <a:r>
               <a:rPr lang="en-GB" dirty="0"/>
-              <a:t>lounge</a:t>
+              <a:t>Hallway (Upstairs)</a:t>
             </a:r>
           </a:p>
         </p:txBody>
@@ -5204,7 +5530,7 @@
           <p:cNvPr id="3" name="Content Placeholder 2">
             <a:extLst>
               <a:ext uri="{FF2B5EF4-FFF2-40B4-BE49-F238E27FC236}">
-                <a16:creationId xmlns:a16="http://schemas.microsoft.com/office/drawing/2014/main" id="{9B0DE547-EE4C-46D0-B716-29B890D328F0}"/>
+                <a16:creationId xmlns:a16="http://schemas.microsoft.com/office/drawing/2014/main" xmlns="" id="{09021123-4634-4507-AEA8-DB3371BED0AF}"/>
               </a:ext>
             </a:extLst>
           </p:cNvPr>
@@ -5220,17 +5546,14 @@
           <a:bodyPr/>
           <a:lstStyle/>
           <a:p>
-            <a:r>
-              <a:rPr lang="en-GB" dirty="0"/>
-              <a:t>Mum and Dad</a:t>
-            </a:r>
+            <a:endParaRPr lang="en-GB"/>
           </a:p>
         </p:txBody>
       </p:sp>
     </p:spTree>
     <p:extLst>
       <p:ext uri="{BB962C8B-B14F-4D97-AF65-F5344CB8AC3E}">
-        <p14:creationId xmlns:p14="http://schemas.microsoft.com/office/powerpoint/2010/main" val="1800308531"/>
+        <p14:creationId xmlns:p14="http://schemas.microsoft.com/office/powerpoint/2010/main" val="2013750815"/>
       </p:ext>
     </p:extLst>
   </p:cSld>
@@ -5262,7 +5585,7 @@
           <p:cNvPr id="2" name="Title 1">
             <a:extLst>
               <a:ext uri="{FF2B5EF4-FFF2-40B4-BE49-F238E27FC236}">
-                <a16:creationId xmlns:a16="http://schemas.microsoft.com/office/drawing/2014/main" id="{4E23DA83-1977-47BC-AABE-2A0AB01CA68B}"/>
+                <a16:creationId xmlns:a16="http://schemas.microsoft.com/office/drawing/2014/main" xmlns="" id="{C208F764-4976-4025-82FE-E7C08DFB66B5}"/>
               </a:ext>
             </a:extLst>
           </p:cNvPr>
@@ -5280,7 +5603,7 @@
           <a:p>
             <a:r>
               <a:rPr lang="en-GB" dirty="0"/>
-              <a:t>Hallway (Downstairs)</a:t>
+              <a:t>lounge</a:t>
             </a:r>
           </a:p>
         </p:txBody>
@@ -5290,7 +5613,7 @@
           <p:cNvPr id="3" name="Content Placeholder 2">
             <a:extLst>
               <a:ext uri="{FF2B5EF4-FFF2-40B4-BE49-F238E27FC236}">
-                <a16:creationId xmlns:a16="http://schemas.microsoft.com/office/drawing/2014/main" id="{CCD4990A-35C3-4A36-A303-F6AE48709F0F}"/>
+                <a16:creationId xmlns:a16="http://schemas.microsoft.com/office/drawing/2014/main" xmlns="" id="{9B0DE547-EE4C-46D0-B716-29B890D328F0}"/>
               </a:ext>
             </a:extLst>
           </p:cNvPr>
@@ -5308,7 +5631,7 @@
           <a:p>
             <a:r>
               <a:rPr lang="en-GB" dirty="0"/>
-              <a:t>Front Door</a:t>
+              <a:t>Mum and Dad</a:t>
             </a:r>
           </a:p>
         </p:txBody>
@@ -5316,7 +5639,7 @@
     </p:spTree>
     <p:extLst>
       <p:ext uri="{BB962C8B-B14F-4D97-AF65-F5344CB8AC3E}">
-        <p14:creationId xmlns:p14="http://schemas.microsoft.com/office/powerpoint/2010/main" val="2052309983"/>
+        <p14:creationId xmlns:p14="http://schemas.microsoft.com/office/powerpoint/2010/main" val="1800308531"/>
       </p:ext>
     </p:extLst>
   </p:cSld>
